--- a/public/assets/images/favicon.pptx
+++ b/public/assets/images/favicon.pptx
@@ -104,6 +104,11 @@
       </a:defRPr>
     </a:lvl9pPr>
   </p:defaultTextStyle>
+  <p:extLst>
+    <p:ext uri="{EFAFB233-063F-42B5-8137-9DF3F51BA10A}">
+      <p15:sldGuideLst xmlns:p15="http://schemas.microsoft.com/office/powerpoint/2012/main"/>
+    </p:ext>
+  </p:extLst>
 </p:presentation>
 </file>
 
@@ -254,7 +259,7 @@
           <a:p>
             <a:fld id="{58B2394E-854E-4D98-9C9D-0F0C44DCD07B}" type="datetimeFigureOut">
               <a:rPr lang="en-US" smtClean="0"/>
-              <a:t>7/1/2023</a:t>
+              <a:t>7/2/2023</a:t>
             </a:fld>
             <a:endParaRPr lang="en-US"/>
           </a:p>
@@ -452,7 +457,7 @@
           <a:p>
             <a:fld id="{58B2394E-854E-4D98-9C9D-0F0C44DCD07B}" type="datetimeFigureOut">
               <a:rPr lang="en-US" smtClean="0"/>
-              <a:t>7/1/2023</a:t>
+              <a:t>7/2/2023</a:t>
             </a:fld>
             <a:endParaRPr lang="en-US"/>
           </a:p>
@@ -660,7 +665,7 @@
           <a:p>
             <a:fld id="{58B2394E-854E-4D98-9C9D-0F0C44DCD07B}" type="datetimeFigureOut">
               <a:rPr lang="en-US" smtClean="0"/>
-              <a:t>7/1/2023</a:t>
+              <a:t>7/2/2023</a:t>
             </a:fld>
             <a:endParaRPr lang="en-US"/>
           </a:p>
@@ -858,7 +863,7 @@
           <a:p>
             <a:fld id="{58B2394E-854E-4D98-9C9D-0F0C44DCD07B}" type="datetimeFigureOut">
               <a:rPr lang="en-US" smtClean="0"/>
-              <a:t>7/1/2023</a:t>
+              <a:t>7/2/2023</a:t>
             </a:fld>
             <a:endParaRPr lang="en-US"/>
           </a:p>
@@ -1133,7 +1138,7 @@
           <a:p>
             <a:fld id="{58B2394E-854E-4D98-9C9D-0F0C44DCD07B}" type="datetimeFigureOut">
               <a:rPr lang="en-US" smtClean="0"/>
-              <a:t>7/1/2023</a:t>
+              <a:t>7/2/2023</a:t>
             </a:fld>
             <a:endParaRPr lang="en-US"/>
           </a:p>
@@ -1398,7 +1403,7 @@
           <a:p>
             <a:fld id="{58B2394E-854E-4D98-9C9D-0F0C44DCD07B}" type="datetimeFigureOut">
               <a:rPr lang="en-US" smtClean="0"/>
-              <a:t>7/1/2023</a:t>
+              <a:t>7/2/2023</a:t>
             </a:fld>
             <a:endParaRPr lang="en-US"/>
           </a:p>
@@ -1810,7 +1815,7 @@
           <a:p>
             <a:fld id="{58B2394E-854E-4D98-9C9D-0F0C44DCD07B}" type="datetimeFigureOut">
               <a:rPr lang="en-US" smtClean="0"/>
-              <a:t>7/1/2023</a:t>
+              <a:t>7/2/2023</a:t>
             </a:fld>
             <a:endParaRPr lang="en-US"/>
           </a:p>
@@ -1951,7 +1956,7 @@
           <a:p>
             <a:fld id="{58B2394E-854E-4D98-9C9D-0F0C44DCD07B}" type="datetimeFigureOut">
               <a:rPr lang="en-US" smtClean="0"/>
-              <a:t>7/1/2023</a:t>
+              <a:t>7/2/2023</a:t>
             </a:fld>
             <a:endParaRPr lang="en-US"/>
           </a:p>
@@ -2064,7 +2069,7 @@
           <a:p>
             <a:fld id="{58B2394E-854E-4D98-9C9D-0F0C44DCD07B}" type="datetimeFigureOut">
               <a:rPr lang="en-US" smtClean="0"/>
-              <a:t>7/1/2023</a:t>
+              <a:t>7/2/2023</a:t>
             </a:fld>
             <a:endParaRPr lang="en-US"/>
           </a:p>
@@ -2375,7 +2380,7 @@
           <a:p>
             <a:fld id="{58B2394E-854E-4D98-9C9D-0F0C44DCD07B}" type="datetimeFigureOut">
               <a:rPr lang="en-US" smtClean="0"/>
-              <a:t>7/1/2023</a:t>
+              <a:t>7/2/2023</a:t>
             </a:fld>
             <a:endParaRPr lang="en-US"/>
           </a:p>
@@ -2663,7 +2668,7 @@
           <a:p>
             <a:fld id="{58B2394E-854E-4D98-9C9D-0F0C44DCD07B}" type="datetimeFigureOut">
               <a:rPr lang="en-US" smtClean="0"/>
-              <a:t>7/1/2023</a:t>
+              <a:t>7/2/2023</a:t>
             </a:fld>
             <a:endParaRPr lang="en-US"/>
           </a:p>
@@ -2904,7 +2909,7 @@
           <a:p>
             <a:fld id="{58B2394E-854E-4D98-9C9D-0F0C44DCD07B}" type="datetimeFigureOut">
               <a:rPr lang="en-US" smtClean="0"/>
-              <a:t>7/1/2023</a:t>
+              <a:t>7/2/2023</a:t>
             </a:fld>
             <a:endParaRPr lang="en-US"/>
           </a:p>
@@ -3335,7 +3340,7 @@
         </p:nvGrpSpPr>
         <p:grpSpPr>
           <a:xfrm>
-            <a:off x="4724400" y="1888883"/>
+            <a:off x="2483246" y="2024862"/>
             <a:ext cx="2743200" cy="2743200"/>
             <a:chOff x="6269497" y="1579393"/>
             <a:chExt cx="2743200" cy="2743200"/>
@@ -3520,6 +3525,311 @@
             </p:txBody>
           </p:sp>
         </p:grpSp>
+      </p:grpSp>
+      <p:grpSp>
+        <p:nvGrpSpPr>
+          <p:cNvPr id="21" name="Group 20">
+            <a:extLst>
+              <a:ext uri="{FF2B5EF4-FFF2-40B4-BE49-F238E27FC236}">
+                <a16:creationId xmlns:a16="http://schemas.microsoft.com/office/drawing/2014/main" id="{92F6B701-F11B-2130-0AE2-2659DE4F5A38}"/>
+              </a:ext>
+            </a:extLst>
+          </p:cNvPr>
+          <p:cNvGrpSpPr/>
+          <p:nvPr/>
+        </p:nvGrpSpPr>
+        <p:grpSpPr>
+          <a:xfrm>
+            <a:off x="6185100" y="2024862"/>
+            <a:ext cx="2743200" cy="2743200"/>
+            <a:chOff x="6185100" y="2024862"/>
+            <a:chExt cx="2743200" cy="2743200"/>
+          </a:xfrm>
+        </p:grpSpPr>
+        <p:grpSp>
+          <p:nvGrpSpPr>
+            <p:cNvPr id="13" name="Group 12">
+              <a:extLst>
+                <a:ext uri="{FF2B5EF4-FFF2-40B4-BE49-F238E27FC236}">
+                  <a16:creationId xmlns:a16="http://schemas.microsoft.com/office/drawing/2014/main" id="{89BB85BD-9801-5023-9996-55F805611C9E}"/>
+                </a:ext>
+              </a:extLst>
+            </p:cNvPr>
+            <p:cNvGrpSpPr/>
+            <p:nvPr/>
+          </p:nvGrpSpPr>
+          <p:grpSpPr>
+            <a:xfrm>
+              <a:off x="6185100" y="2024862"/>
+              <a:ext cx="2743200" cy="2743200"/>
+              <a:chOff x="6269497" y="1579393"/>
+              <a:chExt cx="2743200" cy="2743200"/>
+            </a:xfrm>
+          </p:grpSpPr>
+          <p:sp>
+            <p:nvSpPr>
+              <p:cNvPr id="17" name="Rectangle 16">
+                <a:extLst>
+                  <a:ext uri="{FF2B5EF4-FFF2-40B4-BE49-F238E27FC236}">
+                    <a16:creationId xmlns:a16="http://schemas.microsoft.com/office/drawing/2014/main" id="{7DB83156-1CD9-3152-D22B-D74691BFE3F3}"/>
+                  </a:ext>
+                </a:extLst>
+              </p:cNvPr>
+              <p:cNvSpPr/>
+              <p:nvPr/>
+            </p:nvSpPr>
+            <p:spPr>
+              <a:xfrm>
+                <a:off x="6269497" y="1579393"/>
+                <a:ext cx="2743200" cy="2743200"/>
+              </a:xfrm>
+              <a:prstGeom prst="rect">
+                <a:avLst/>
+              </a:prstGeom>
+              <a:noFill/>
+              <a:ln>
+                <a:noFill/>
+              </a:ln>
+            </p:spPr>
+            <p:style>
+              <a:lnRef idx="2">
+                <a:schemeClr val="accent1">
+                  <a:shade val="50000"/>
+                </a:schemeClr>
+              </a:lnRef>
+              <a:fillRef idx="1">
+                <a:schemeClr val="accent1"/>
+              </a:fillRef>
+              <a:effectRef idx="0">
+                <a:schemeClr val="accent1"/>
+              </a:effectRef>
+              <a:fontRef idx="minor">
+                <a:schemeClr val="lt1"/>
+              </a:fontRef>
+            </p:style>
+            <p:txBody>
+              <a:bodyPr rtlCol="0" anchor="ctr"/>
+              <a:lstStyle/>
+              <a:p>
+                <a:pPr algn="ctr"/>
+                <a:endParaRPr lang="en-US"/>
+              </a:p>
+            </p:txBody>
+          </p:sp>
+          <p:grpSp>
+            <p:nvGrpSpPr>
+              <p:cNvPr id="18" name="Group 17">
+                <a:extLst>
+                  <a:ext uri="{FF2B5EF4-FFF2-40B4-BE49-F238E27FC236}">
+                    <a16:creationId xmlns:a16="http://schemas.microsoft.com/office/drawing/2014/main" id="{F971A8D0-A5B8-FF4D-99A7-C2B5C135C999}"/>
+                  </a:ext>
+                </a:extLst>
+              </p:cNvPr>
+              <p:cNvGrpSpPr/>
+              <p:nvPr/>
+            </p:nvGrpSpPr>
+            <p:grpSpPr>
+              <a:xfrm>
+                <a:off x="6587780" y="2194561"/>
+                <a:ext cx="2106636" cy="1512863"/>
+                <a:chOff x="6587780" y="2194561"/>
+                <a:chExt cx="2106636" cy="1512863"/>
+              </a:xfrm>
+            </p:grpSpPr>
+            <p:sp>
+              <p:nvSpPr>
+                <p:cNvPr id="19" name="Moon 18">
+                  <a:extLst>
+                    <a:ext uri="{FF2B5EF4-FFF2-40B4-BE49-F238E27FC236}">
+                      <a16:creationId xmlns:a16="http://schemas.microsoft.com/office/drawing/2014/main" id="{2DD89747-9ABF-27B2-DEAF-BEABD68B5671}"/>
+                    </a:ext>
+                  </a:extLst>
+                </p:cNvPr>
+                <p:cNvSpPr/>
+                <p:nvPr/>
+              </p:nvSpPr>
+              <p:spPr>
+                <a:xfrm rot="5400000">
+                  <a:off x="7189322" y="1982524"/>
+                  <a:ext cx="925243" cy="1967716"/>
+                </a:xfrm>
+                <a:prstGeom prst="moon">
+                  <a:avLst>
+                    <a:gd name="adj" fmla="val 24581"/>
+                  </a:avLst>
+                </a:prstGeom>
+                <a:solidFill>
+                  <a:srgbClr val="C9DFFF"/>
+                </a:solidFill>
+                <a:ln>
+                  <a:noFill/>
+                </a:ln>
+              </p:spPr>
+              <p:style>
+                <a:lnRef idx="2">
+                  <a:schemeClr val="accent1">
+                    <a:shade val="50000"/>
+                  </a:schemeClr>
+                </a:lnRef>
+                <a:fillRef idx="1">
+                  <a:schemeClr val="accent1"/>
+                </a:fillRef>
+                <a:effectRef idx="0">
+                  <a:schemeClr val="accent1"/>
+                </a:effectRef>
+                <a:fontRef idx="minor">
+                  <a:schemeClr val="lt1"/>
+                </a:fontRef>
+              </p:style>
+              <p:txBody>
+                <a:bodyPr rtlCol="0" anchor="ctr"/>
+                <a:lstStyle/>
+                <a:p>
+                  <a:pPr algn="ctr"/>
+                  <a:endParaRPr lang="en-US"/>
+                </a:p>
+              </p:txBody>
+            </p:sp>
+            <p:sp>
+              <p:nvSpPr>
+                <p:cNvPr id="20" name="Moon 19">
+                  <a:extLst>
+                    <a:ext uri="{FF2B5EF4-FFF2-40B4-BE49-F238E27FC236}">
+                      <a16:creationId xmlns:a16="http://schemas.microsoft.com/office/drawing/2014/main" id="{2B5DA40E-EA75-A8E1-37C3-6FEDD8757640}"/>
+                    </a:ext>
+                  </a:extLst>
+                </p:cNvPr>
+                <p:cNvSpPr/>
+                <p:nvPr/>
+              </p:nvSpPr>
+              <p:spPr>
+                <a:xfrm rot="5400000">
+                  <a:off x="6884666" y="1897675"/>
+                  <a:ext cx="1512863" cy="2106636"/>
+                </a:xfrm>
+                <a:prstGeom prst="moon">
+                  <a:avLst>
+                    <a:gd name="adj" fmla="val 24581"/>
+                  </a:avLst>
+                </a:prstGeom>
+                <a:solidFill>
+                  <a:srgbClr val="0D6EFD"/>
+                </a:solidFill>
+                <a:ln>
+                  <a:noFill/>
+                </a:ln>
+              </p:spPr>
+              <p:style>
+                <a:lnRef idx="2">
+                  <a:schemeClr val="accent1">
+                    <a:shade val="50000"/>
+                  </a:schemeClr>
+                </a:lnRef>
+                <a:fillRef idx="1">
+                  <a:schemeClr val="accent1"/>
+                </a:fillRef>
+                <a:effectRef idx="0">
+                  <a:schemeClr val="accent1"/>
+                </a:effectRef>
+                <a:fontRef idx="minor">
+                  <a:schemeClr val="lt1"/>
+                </a:fontRef>
+              </p:style>
+              <p:txBody>
+                <a:bodyPr rtlCol="0" anchor="ctr"/>
+                <a:lstStyle/>
+                <a:p>
+                  <a:pPr algn="ctr"/>
+                  <a:endParaRPr lang="en-US"/>
+                </a:p>
+              </p:txBody>
+            </p:sp>
+          </p:grpSp>
+        </p:grpSp>
+        <p:sp>
+          <p:nvSpPr>
+            <p:cNvPr id="15" name="TextBox 14">
+              <a:extLst>
+                <a:ext uri="{FF2B5EF4-FFF2-40B4-BE49-F238E27FC236}">
+                  <a16:creationId xmlns:a16="http://schemas.microsoft.com/office/drawing/2014/main" id="{1AFDC7AF-E267-2972-BBE7-2276CA029849}"/>
+                </a:ext>
+              </a:extLst>
+            </p:cNvPr>
+            <p:cNvSpPr txBox="1"/>
+            <p:nvPr/>
+          </p:nvSpPr>
+          <p:spPr>
+            <a:xfrm>
+              <a:off x="6414289" y="3748047"/>
+              <a:ext cx="2320000" cy="584775"/>
+            </a:xfrm>
+            <a:prstGeom prst="rect">
+              <a:avLst/>
+            </a:prstGeom>
+            <a:noFill/>
+          </p:spPr>
+          <p:txBody>
+            <a:bodyPr wrap="square" rtlCol="0">
+              <a:spAutoFit/>
+            </a:bodyPr>
+            <a:lstStyle/>
+            <a:p>
+              <a:pPr algn="ctr"/>
+              <a:r>
+                <a:rPr lang="en-US" sz="3200" dirty="0">
+                  <a:solidFill>
+                    <a:srgbClr val="C9DFFF"/>
+                  </a:solidFill>
+                  <a:latin typeface="Aharoni" panose="02010803020104030203" pitchFamily="2" charset="-79"/>
+                  <a:cs typeface="Aharoni" panose="02010803020104030203" pitchFamily="2" charset="-79"/>
+                </a:rPr>
+                <a:t>KARCH</a:t>
+              </a:r>
+            </a:p>
+          </p:txBody>
+        </p:sp>
+        <p:sp>
+          <p:nvSpPr>
+            <p:cNvPr id="16" name="TextBox 15">
+              <a:extLst>
+                <a:ext uri="{FF2B5EF4-FFF2-40B4-BE49-F238E27FC236}">
+                  <a16:creationId xmlns:a16="http://schemas.microsoft.com/office/drawing/2014/main" id="{31E4B25D-1B49-08B9-1B98-1365266721B1}"/>
+                </a:ext>
+              </a:extLst>
+            </p:cNvPr>
+            <p:cNvSpPr txBox="1"/>
+            <p:nvPr/>
+          </p:nvSpPr>
+          <p:spPr>
+            <a:xfrm>
+              <a:off x="6407546" y="3752554"/>
+              <a:ext cx="2320000" cy="584775"/>
+            </a:xfrm>
+            <a:prstGeom prst="rect">
+              <a:avLst/>
+            </a:prstGeom>
+            <a:noFill/>
+          </p:spPr>
+          <p:txBody>
+            <a:bodyPr wrap="square" rtlCol="0">
+              <a:spAutoFit/>
+            </a:bodyPr>
+            <a:lstStyle/>
+            <a:p>
+              <a:pPr algn="ctr"/>
+              <a:r>
+                <a:rPr lang="en-US" sz="3200" dirty="0">
+                  <a:solidFill>
+                    <a:srgbClr val="0D6EFD"/>
+                  </a:solidFill>
+                  <a:latin typeface="Aharoni" panose="02010803020104030203" pitchFamily="2" charset="-79"/>
+                  <a:cs typeface="Aharoni" panose="02010803020104030203" pitchFamily="2" charset="-79"/>
+                </a:rPr>
+                <a:t>KARCH</a:t>
+              </a:r>
+            </a:p>
+          </p:txBody>
+        </p:sp>
       </p:grpSp>
     </p:spTree>
     <p:extLst>
